--- a/KHOA/Adapter.pptx
+++ b/KHOA/Adapter.pptx
@@ -10765,18 +10765,11 @@
               <a:t>thức</a:t>
             </a:r>
             <a:r>
-              <a:rPr lang="en-US" sz="3200" dirty="0">
-                <a:latin typeface="Times New Roman" panose="02020603050405020304" pitchFamily="18" charset="0"/>
-                <a:cs typeface="Times New Roman" panose="02020603050405020304" pitchFamily="18" charset="0"/>
-              </a:rPr>
-              <a:t> </a:t>
-            </a:r>
-            <a:r>
-              <a:rPr lang="en-US" sz="3200" dirty="0" err="1">
-                <a:latin typeface="Times New Roman" panose="02020603050405020304" pitchFamily="18" charset="0"/>
-                <a:cs typeface="Times New Roman" panose="02020603050405020304" pitchFamily="18" charset="0"/>
-              </a:rPr>
-              <a:t>Cliet</a:t>
+              <a:rPr lang="en-US" sz="3200">
+                <a:latin typeface="Times New Roman" panose="02020603050405020304" pitchFamily="18" charset="0"/>
+                <a:cs typeface="Times New Roman" panose="02020603050405020304" pitchFamily="18" charset="0"/>
+              </a:rPr>
+              <a:t> Client</a:t>
             </a:r>
             <a:r>
               <a:rPr lang="en-US" sz="3200" dirty="0">
@@ -15346,21 +15339,7 @@
                 <a:latin typeface="Times New Roman" panose="02020603050405020304" pitchFamily="18" charset="0"/>
                 <a:cs typeface="Times New Roman" panose="02020603050405020304" pitchFamily="18" charset="0"/>
               </a:rPr>
-              <a:t> </a:t>
-            </a:r>
-            <a:r>
-              <a:rPr lang="en-US" sz="3200" dirty="0" err="1">
-                <a:latin typeface="Times New Roman" panose="02020603050405020304" pitchFamily="18" charset="0"/>
-                <a:cs typeface="Times New Roman" panose="02020603050405020304" pitchFamily="18" charset="0"/>
-              </a:rPr>
-              <a:t>Cliet</a:t>
-            </a:r>
-            <a:r>
-              <a:rPr lang="en-US" sz="3200" dirty="0">
-                <a:latin typeface="Times New Roman" panose="02020603050405020304" pitchFamily="18" charset="0"/>
-                <a:cs typeface="Times New Roman" panose="02020603050405020304" pitchFamily="18" charset="0"/>
-              </a:rPr>
-              <a:t>() </a:t>
+              <a:t> Client() </a:t>
             </a:r>
             <a:r>
               <a:rPr lang="en-US" sz="3200" dirty="0" err="1">
